--- a/inflearn06/doc/6.(심화)한줄문장이암호화되는과정.pptx
+++ b/inflearn06/doc/6.(심화)한줄문장이암호화되는과정.pptx
@@ -5,15 +5,16 @@
     <p:sldMasterId id="2147483648" r:id="rId1"/>
   </p:sldMasterIdLst>
   <p:notesMasterIdLst>
-    <p:notesMasterId r:id="rId5"/>
+    <p:notesMasterId r:id="rId6"/>
   </p:notesMasterIdLst>
   <p:handoutMasterIdLst>
-    <p:handoutMasterId r:id="rId6"/>
+    <p:handoutMasterId r:id="rId7"/>
   </p:handoutMasterIdLst>
   <p:sldIdLst>
     <p:sldId id="271" r:id="rId2"/>
     <p:sldId id="295" r:id="rId3"/>
-    <p:sldId id="296" r:id="rId4"/>
+    <p:sldId id="297" r:id="rId4"/>
+    <p:sldId id="296" r:id="rId5"/>
   </p:sldIdLst>
   <p:sldSz cx="12192000" cy="6858000"/>
   <p:notesSz cx="6858000" cy="9144000"/>
@@ -639,7 +640,7 @@
                 <a:latin typeface="맑은 고딕" panose="020B0503020000020004" pitchFamily="50" charset="-127"/>
                 <a:ea typeface="맑은 고딕" panose="020B0503020000020004" pitchFamily="50" charset="-127"/>
               </a:rPr>
-              <a:t>2021년 7월 19일</a:t>
+              <a:t>2021년 8월 6일</a:t>
             </a:fld>
             <a:endParaRPr lang="ko-KR" altLang="en-US">
               <a:latin typeface="맑은 고딕" panose="020B0503020000020004" pitchFamily="50" charset="-127"/>
@@ -825,7 +826,7 @@
             <a:fld id="{BE16EC8A-0758-4FA9-BF4D-3119057076D1}" type="datetime4">
               <a:rPr lang="ko-KR" altLang="en-US" smtClean="0"/>
               <a:pPr/>
-              <a:t>2021년 7월 19일</a:t>
+              <a:t>2021년 8월 6일</a:t>
             </a:fld>
             <a:endParaRPr lang="ko-KR" altLang="en-US"/>
           </a:p>
@@ -3307,7 +3308,7 @@
           <a:p>
             <a:fld id="{2A5B65E4-62A8-4988-B07B-5D6D443B14ED}" type="datetime4">
               <a:rPr lang="ko-KR" altLang="en-US" smtClean="0"/>
-              <a:t>2021년 7월 19일</a:t>
+              <a:t>2021년 8월 6일</a:t>
             </a:fld>
             <a:endParaRPr lang="ko-KR" altLang="en-US"/>
           </a:p>
@@ -3563,7 +3564,7 @@
           <a:p>
             <a:fld id="{58EB6286-0DE7-4336-9826-977AD102FCF2}" type="datetime4">
               <a:rPr lang="ko-KR" altLang="en-US" noProof="0" smtClean="0"/>
-              <a:t>2021년 7월 19일</a:t>
+              <a:t>2021년 8월 6일</a:t>
             </a:fld>
             <a:endParaRPr lang="ko-KR" altLang="en-US" noProof="0"/>
           </a:p>
@@ -3759,7 +3760,7 @@
             <a:pPr rtl="0"/>
             <a:fld id="{6A5419DA-7218-42E5-A443-F000500111E1}" type="datetime4">
               <a:rPr lang="ko-KR" altLang="en-US" noProof="0" smtClean="0"/>
-              <a:t>2021년 7월 19일</a:t>
+              <a:t>2021년 8월 6일</a:t>
             </a:fld>
             <a:endParaRPr lang="ko-KR" altLang="en-US" noProof="0"/>
           </a:p>
@@ -6160,7 +6161,7 @@
           <a:p>
             <a:fld id="{E498C52F-1DF1-4226-BAB6-C1E2EE4C9D62}" type="datetime4">
               <a:rPr lang="ko-KR" altLang="en-US" noProof="0" smtClean="0"/>
-              <a:t>2021년 7월 19일</a:t>
+              <a:t>2021년 8월 6일</a:t>
             </a:fld>
             <a:endParaRPr lang="ko-KR" altLang="en-US" noProof="0"/>
           </a:p>
@@ -6679,7 +6680,7 @@
           <a:p>
             <a:fld id="{7B1E1FFC-F755-4558-8D3C-A157D1A01A8A}" type="datetime4">
               <a:rPr lang="ko-KR" altLang="en-US" noProof="0" smtClean="0"/>
-              <a:t>2021년 7월 19일</a:t>
+              <a:t>2021년 8월 6일</a:t>
             </a:fld>
             <a:endParaRPr lang="ko-KR" altLang="en-US" noProof="0"/>
           </a:p>
@@ -6823,7 +6824,7 @@
             <a:pPr rtl="0"/>
             <a:fld id="{DA2A33C0-A4A8-4C90-B6DA-35B8CF58C816}" type="datetime4">
               <a:rPr lang="ko-KR" altLang="en-US" noProof="0" smtClean="0"/>
-              <a:t>2021년 7월 19일</a:t>
+              <a:t>2021년 8월 6일</a:t>
             </a:fld>
             <a:endParaRPr lang="ko-KR" altLang="en-US" noProof="0"/>
           </a:p>
@@ -8771,7 +8772,7 @@
           <a:p>
             <a:fld id="{53CB1B8F-A14A-4BE4-A9B9-3B263F04145C}" type="datetime4">
               <a:rPr lang="ko-KR" altLang="en-US" noProof="0" smtClean="0"/>
-              <a:t>2021년 7월 19일</a:t>
+              <a:t>2021년 8월 6일</a:t>
             </a:fld>
             <a:endParaRPr lang="ko-KR" altLang="en-US" noProof="0"/>
           </a:p>
@@ -11068,7 +11069,7 @@
           <a:p>
             <a:fld id="{5B9196A3-957C-4113-A568-B6ED9AEA3D01}" type="datetime4">
               <a:rPr lang="ko-KR" altLang="en-US" noProof="0" smtClean="0"/>
-              <a:t>2021년 7월 19일</a:t>
+              <a:t>2021년 8월 6일</a:t>
             </a:fld>
             <a:endParaRPr lang="ko-KR" altLang="en-US" noProof="0"/>
           </a:p>
@@ -15385,7 +15386,7 @@
           <a:p>
             <a:fld id="{28BEB146-D335-4DA5-9826-58595BCDBE2E}" type="datetime4">
               <a:rPr lang="ko-KR" altLang="en-US" noProof="0" smtClean="0"/>
-              <a:t>2021년 7월 19일</a:t>
+              <a:t>2021년 8월 6일</a:t>
             </a:fld>
             <a:endParaRPr lang="ko-KR" altLang="en-US" noProof="0"/>
           </a:p>
@@ -15864,8 +15865,12 @@
           <a:lstStyle/>
           <a:p>
             <a:r>
+              <a:rPr lang="ko-KR" altLang="en-US"/>
+              <a:t>한 문장이 암호화 </a:t>
+            </a:r>
+            <a:r>
               <a:rPr lang="ko-KR" altLang="en-US" dirty="0"/>
-              <a:t>한 줄 문장이 암호화 되는 과정</a:t>
+              <a:t>되는 과정</a:t>
             </a:r>
           </a:p>
         </p:txBody>
@@ -16112,9 +16117,22 @@
           <a:p>
             <a:pPr algn="ctr"/>
             <a:r>
-              <a:rPr lang="ko-KR" altLang="en-US" dirty="0"/>
-              <a:t>한 줄 문장</a:t>
+              <a:rPr lang="ko-KR" altLang="en-US"/>
+              <a:t>문장 </a:t>
             </a:r>
+            <a:r>
+              <a:rPr lang="en-US" altLang="ko-KR"/>
+              <a:t>(</a:t>
+            </a:r>
+            <a:r>
+              <a:rPr lang="ko-KR" altLang="en-US"/>
+              <a:t>평문</a:t>
+            </a:r>
+            <a:r>
+              <a:rPr lang="en-US" altLang="ko-KR"/>
+              <a:t>)</a:t>
+            </a:r>
+            <a:endParaRPr lang="ko-KR" altLang="en-US" dirty="0"/>
           </a:p>
         </p:txBody>
       </p:sp>
@@ -16492,7 +16510,7 @@
             </a:r>
             <a:r>
               <a:rPr lang="en-US" altLang="ko-KR"/>
-              <a:t>PKCS7</a:t>
+              <a:t>PKCS#5</a:t>
             </a:r>
           </a:p>
           <a:p>
@@ -16557,6 +16575,66 @@
           </a:p>
         </p:txBody>
       </p:sp>
+      <p:pic>
+        <p:nvPicPr>
+          <p:cNvPr id="5" name="그림 4">
+            <a:extLst>
+              <a:ext uri="{FF2B5EF4-FFF2-40B4-BE49-F238E27FC236}">
+                <a16:creationId xmlns:a16="http://schemas.microsoft.com/office/drawing/2014/main" id="{C028F791-5457-43CC-B8D7-95A56C6803B2}"/>
+              </a:ext>
+            </a:extLst>
+          </p:cNvPr>
+          <p:cNvPicPr>
+            <a:picLocks noChangeAspect="1"/>
+          </p:cNvPicPr>
+          <p:nvPr/>
+        </p:nvPicPr>
+        <p:blipFill>
+          <a:blip r:embed="rId2"/>
+          <a:stretch>
+            <a:fillRect/>
+          </a:stretch>
+        </p:blipFill>
+        <p:spPr>
+          <a:xfrm>
+            <a:off x="7981543" y="1646238"/>
+            <a:ext cx="3887386" cy="1199536"/>
+          </a:xfrm>
+          <a:prstGeom prst="rect">
+            <a:avLst/>
+          </a:prstGeom>
+        </p:spPr>
+      </p:pic>
+      <p:pic>
+        <p:nvPicPr>
+          <p:cNvPr id="9" name="그림 8">
+            <a:extLst>
+              <a:ext uri="{FF2B5EF4-FFF2-40B4-BE49-F238E27FC236}">
+                <a16:creationId xmlns:a16="http://schemas.microsoft.com/office/drawing/2014/main" id="{113DC574-418B-4BDE-9A26-284729739FAC}"/>
+              </a:ext>
+            </a:extLst>
+          </p:cNvPr>
+          <p:cNvPicPr>
+            <a:picLocks noChangeAspect="1"/>
+          </p:cNvPicPr>
+          <p:nvPr/>
+        </p:nvPicPr>
+        <p:blipFill>
+          <a:blip r:embed="rId3"/>
+          <a:stretch>
+            <a:fillRect/>
+          </a:stretch>
+        </p:blipFill>
+        <p:spPr>
+          <a:xfrm>
+            <a:off x="7981543" y="3524776"/>
+            <a:ext cx="2915057" cy="2943636"/>
+          </a:xfrm>
+          <a:prstGeom prst="rect">
+            <a:avLst/>
+          </a:prstGeom>
+        </p:spPr>
+      </p:pic>
     </p:spTree>
     <p:extLst>
       <p:ext uri="{BB962C8B-B14F-4D97-AF65-F5344CB8AC3E}">
@@ -16583,6 +16661,214 @@
 </file>
 
 <file path=ppt/slides/slide3.xml><?xml version="1.0" encoding="utf-8"?>
+<p:sld xmlns:a="http://schemas.openxmlformats.org/drawingml/2006/main" xmlns:r="http://schemas.openxmlformats.org/officeDocument/2006/relationships" xmlns:p="http://schemas.openxmlformats.org/presentationml/2006/main">
+  <p:cSld>
+    <p:spTree>
+      <p:nvGrpSpPr>
+        <p:cNvPr id="1" name=""/>
+        <p:cNvGrpSpPr/>
+        <p:nvPr/>
+      </p:nvGrpSpPr>
+      <p:grpSpPr>
+        <a:xfrm>
+          <a:off x="0" y="0"/>
+          <a:ext cx="0" cy="0"/>
+          <a:chOff x="0" y="0"/>
+          <a:chExt cx="0" cy="0"/>
+        </a:xfrm>
+      </p:grpSpPr>
+      <p:sp>
+        <p:nvSpPr>
+          <p:cNvPr id="2" name="제목 1">
+            <a:extLst>
+              <a:ext uri="{FF2B5EF4-FFF2-40B4-BE49-F238E27FC236}">
+                <a16:creationId xmlns:a16="http://schemas.microsoft.com/office/drawing/2014/main" id="{04F8F85C-CEF9-4AAC-BBDA-B4B023BBF963}"/>
+              </a:ext>
+            </a:extLst>
+          </p:cNvPr>
+          <p:cNvSpPr>
+            <a:spLocks noGrp="1"/>
+          </p:cNvSpPr>
+          <p:nvPr>
+            <p:ph type="title"/>
+          </p:nvPr>
+        </p:nvSpPr>
+        <p:spPr/>
+        <p:txBody>
+          <a:bodyPr/>
+          <a:lstStyle/>
+          <a:p>
+            <a:r>
+              <a:rPr lang="ko-KR" altLang="en-US"/>
+              <a:t>캐릭터셋</a:t>
+            </a:r>
+            <a:r>
+              <a:rPr lang="en-US" altLang="ko-KR"/>
+              <a:t>, </a:t>
+            </a:r>
+            <a:r>
+              <a:rPr lang="ko-KR" altLang="en-US"/>
+              <a:t>인코딩</a:t>
+            </a:r>
+          </a:p>
+        </p:txBody>
+      </p:sp>
+      <p:sp>
+        <p:nvSpPr>
+          <p:cNvPr id="3" name="내용 개체 틀 2">
+            <a:extLst>
+              <a:ext uri="{FF2B5EF4-FFF2-40B4-BE49-F238E27FC236}">
+                <a16:creationId xmlns:a16="http://schemas.microsoft.com/office/drawing/2014/main" id="{358076DF-8590-481C-A6F5-0F3C12A1EFE1}"/>
+              </a:ext>
+            </a:extLst>
+          </p:cNvPr>
+          <p:cNvSpPr>
+            <a:spLocks noGrp="1"/>
+          </p:cNvSpPr>
+          <p:nvPr>
+            <p:ph idx="1"/>
+          </p:nvPr>
+        </p:nvSpPr>
+        <p:spPr/>
+        <p:txBody>
+          <a:bodyPr/>
+          <a:lstStyle/>
+          <a:p>
+            <a:r>
+              <a:rPr lang="ko-KR" altLang="en-US"/>
+              <a:t>캐릭터셋</a:t>
+            </a:r>
+            <a:endParaRPr lang="en-US" altLang="ko-KR"/>
+          </a:p>
+          <a:p>
+            <a:pPr lvl="1"/>
+            <a:r>
+              <a:rPr lang="ko-KR" altLang="en-US"/>
+              <a:t>사람의 문자를 컴퓨터 문자로 표현하기 위한 규칙</a:t>
+            </a:r>
+            <a:endParaRPr lang="en-US" altLang="ko-KR"/>
+          </a:p>
+          <a:p>
+            <a:pPr lvl="1"/>
+            <a:r>
+              <a:rPr lang="en-US" altLang="ko-KR"/>
+              <a:t>UTF-8, EUC-KR</a:t>
+            </a:r>
+          </a:p>
+          <a:p>
+            <a:r>
+              <a:rPr lang="ko-KR" altLang="en-US"/>
+              <a:t>인코딩</a:t>
+            </a:r>
+            <a:endParaRPr lang="en-US" altLang="ko-KR"/>
+          </a:p>
+          <a:p>
+            <a:pPr lvl="1"/>
+            <a:r>
+              <a:rPr lang="ko-KR" altLang="en-US"/>
+              <a:t>컴퓨터 문자를 사람의 문자료 표현하기 위한 규칙</a:t>
+            </a:r>
+            <a:endParaRPr lang="en-US" altLang="ko-KR"/>
+          </a:p>
+          <a:p>
+            <a:pPr lvl="1"/>
+            <a:r>
+              <a:rPr lang="en-US" altLang="ko-KR"/>
+              <a:t>HEX, BASE64</a:t>
+            </a:r>
+          </a:p>
+          <a:p>
+            <a:pPr lvl="2"/>
+            <a:endParaRPr lang="en-US" altLang="ko-KR"/>
+          </a:p>
+        </p:txBody>
+      </p:sp>
+      <p:pic>
+        <p:nvPicPr>
+          <p:cNvPr id="5" name="그림 4">
+            <a:extLst>
+              <a:ext uri="{FF2B5EF4-FFF2-40B4-BE49-F238E27FC236}">
+                <a16:creationId xmlns:a16="http://schemas.microsoft.com/office/drawing/2014/main" id="{323D2654-1764-4608-92A9-6CE5CB0CCB15}"/>
+              </a:ext>
+            </a:extLst>
+          </p:cNvPr>
+          <p:cNvPicPr>
+            <a:picLocks noChangeAspect="1"/>
+          </p:cNvPicPr>
+          <p:nvPr/>
+        </p:nvPicPr>
+        <p:blipFill>
+          <a:blip r:embed="rId2"/>
+          <a:stretch>
+            <a:fillRect/>
+          </a:stretch>
+        </p:blipFill>
+        <p:spPr>
+          <a:xfrm>
+            <a:off x="7787488" y="942116"/>
+            <a:ext cx="3639058" cy="2391109"/>
+          </a:xfrm>
+          <a:prstGeom prst="rect">
+            <a:avLst/>
+          </a:prstGeom>
+        </p:spPr>
+      </p:pic>
+      <p:pic>
+        <p:nvPicPr>
+          <p:cNvPr id="7" name="그림 6">
+            <a:extLst>
+              <a:ext uri="{FF2B5EF4-FFF2-40B4-BE49-F238E27FC236}">
+                <a16:creationId xmlns:a16="http://schemas.microsoft.com/office/drawing/2014/main" id="{5B1D84F8-A228-47ED-AE55-633386B2BB0F}"/>
+              </a:ext>
+            </a:extLst>
+          </p:cNvPr>
+          <p:cNvPicPr>
+            <a:picLocks noChangeAspect="1"/>
+          </p:cNvPicPr>
+          <p:nvPr/>
+        </p:nvPicPr>
+        <p:blipFill>
+          <a:blip r:embed="rId3"/>
+          <a:stretch>
+            <a:fillRect/>
+          </a:stretch>
+        </p:blipFill>
+        <p:spPr>
+          <a:xfrm>
+            <a:off x="7981543" y="3524776"/>
+            <a:ext cx="2915057" cy="2943636"/>
+          </a:xfrm>
+          <a:prstGeom prst="rect">
+            <a:avLst/>
+          </a:prstGeom>
+        </p:spPr>
+      </p:pic>
+    </p:spTree>
+    <p:extLst>
+      <p:ext uri="{BB962C8B-B14F-4D97-AF65-F5344CB8AC3E}">
+        <p14:creationId xmlns:p14="http://schemas.microsoft.com/office/powerpoint/2010/main" val="1469663239"/>
+      </p:ext>
+    </p:extLst>
+  </p:cSld>
+  <p:clrMapOvr>
+    <a:masterClrMapping/>
+  </p:clrMapOvr>
+  <mc:AlternateContent xmlns:mc="http://schemas.openxmlformats.org/markup-compatibility/2006" xmlns:p14="http://schemas.microsoft.com/office/powerpoint/2010/main">
+    <mc:Choice Requires="p14">
+      <p:transition spd="med" p14:dur="700">
+        <p:fade/>
+      </p:transition>
+    </mc:Choice>
+    <mc:Fallback xmlns="">
+      <p:transition spd="med">
+        <p:fade/>
+      </p:transition>
+    </mc:Fallback>
+  </mc:AlternateContent>
+</p:sld>
+</file>
+
+<file path=ppt/slides/slide4.xml><?xml version="1.0" encoding="utf-8"?>
 <p:sld xmlns:a="http://schemas.openxmlformats.org/drawingml/2006/main" xmlns:r="http://schemas.openxmlformats.org/officeDocument/2006/relationships" xmlns:p="http://schemas.openxmlformats.org/presentationml/2006/main">
   <p:cSld>
     <p:spTree>
@@ -16646,7 +16932,7 @@
         <p:spPr/>
         <p:txBody>
           <a:bodyPr>
-            <a:normAutofit/>
+            <a:normAutofit fontScale="92500" lnSpcReduction="10000"/>
           </a:bodyPr>
           <a:lstStyle/>
           <a:p>
@@ -16672,25 +16958,49 @@
             <a:pPr lvl="1"/>
             <a:r>
               <a:rPr lang="ko-KR" altLang="en-US"/>
-              <a:t>카드번호</a:t>
+              <a:t>카드번호를 암호화 할땐 </a:t>
             </a:r>
             <a:r>
               <a:rPr lang="en-US" altLang="ko-KR"/>
-              <a:t> 16byte, </a:t>
+              <a:t>ECB </a:t>
             </a:r>
             <a:r>
               <a:rPr lang="ko-KR" altLang="en-US"/>
-              <a:t>암호화된 카드번호 </a:t>
+              <a:t>운영모드 사용</a:t>
+            </a:r>
+            <a:endParaRPr lang="en-US" altLang="ko-KR"/>
+          </a:p>
+          <a:p>
+            <a:pPr lvl="2"/>
+            <a:r>
+              <a:rPr lang="en-US" altLang="ko-KR">
+                <a:solidFill>
+                  <a:srgbClr val="FF0000"/>
+                </a:solidFill>
+              </a:rPr>
+              <a:t>CBC </a:t>
             </a:r>
             <a:r>
-              <a:rPr lang="en-US" altLang="ko-KR"/>
+              <a:rPr lang="ko-KR" altLang="en-US">
+                <a:solidFill>
+                  <a:srgbClr val="FF0000"/>
+                </a:solidFill>
+              </a:rPr>
+              <a:t>를 사용했을 경우 암호화된 카드번호는 </a:t>
+            </a:r>
+            <a:r>
+              <a:rPr lang="en-US" altLang="ko-KR">
+                <a:solidFill>
+                  <a:srgbClr val="FF0000"/>
+                </a:solidFill>
+              </a:rPr>
               <a:t>32byte</a:t>
             </a:r>
           </a:p>
           <a:p>
             <a:r>
               <a:rPr lang="ko-KR" altLang="en-US"/>
-              <a:t>데이터 표현</a:t>
+              <a:t>인코딩</a:t>
             </a:r>
             <a:endParaRPr lang="en-US" altLang="ko-KR"/>
           </a:p>
@@ -16730,23 +17040,39 @@
             </a:r>
             <a:r>
               <a:rPr lang="en-US" altLang="ko-KR"/>
-              <a:t>: 2/3</a:t>
+              <a:t>: </a:t>
             </a:r>
             <a:r>
               <a:rPr lang="ko-KR" altLang="en-US"/>
-              <a:t>배</a:t>
-            </a:r>
-            <a:r>
-              <a:rPr lang="en-US" altLang="ko-KR"/>
-              <a:t> </a:t>
-            </a:r>
-            <a:r>
-              <a:rPr lang="ko-KR" altLang="en-US"/>
-              <a:t>증가</a:t>
+              <a:t>키보드로 입력할 수 있는 문자 사용</a:t>
             </a:r>
             <a:r>
               <a:rPr lang="en-US" altLang="ko-KR"/>
               <a:t>, </a:t>
+            </a:r>
+            <a:r>
+              <a:rPr lang="ko-KR" altLang="en-US"/>
+              <a:t>헥사보다 크기 절감</a:t>
+            </a:r>
+            <a:endParaRPr lang="en-US" altLang="ko-KR"/>
+          </a:p>
+          <a:p>
+            <a:pPr lvl="3"/>
+            <a:r>
+              <a:rPr lang="ko-KR" altLang="en-US">
+                <a:solidFill>
+                  <a:srgbClr val="FF0000"/>
+                </a:solidFill>
+              </a:rPr>
+              <a:t>줄바꿈</a:t>
+            </a:r>
+            <a:r>
+              <a:rPr lang="en-US" altLang="ko-KR">
+                <a:solidFill>
+                  <a:srgbClr val="FF0000"/>
+                </a:solidFill>
+              </a:rPr>
+              <a:t>, URI </a:t>
             </a:r>
             <a:r>
               <a:rPr lang="ko-KR" altLang="en-US">
@@ -16754,23 +17080,7 @@
                   <a:srgbClr val="FF0000"/>
                 </a:solidFill>
               </a:rPr>
-              <a:t>특수문자 관리가 필요</a:t>
-            </a:r>
-            <a:r>
-              <a:rPr lang="en-US" altLang="ko-KR">
-                <a:solidFill>
-                  <a:srgbClr val="FF0000"/>
-                </a:solidFill>
-              </a:rPr>
-              <a:t>, </a:t>
-            </a:r>
-            <a:r>
-              <a:rPr lang="ko-KR" altLang="en-US">
-                <a:solidFill>
-                  <a:srgbClr val="FF0000"/>
-                </a:solidFill>
-              </a:rPr>
-              <a:t>개행문자 자동 부여</a:t>
+              <a:t>문자 처리 필요</a:t>
             </a:r>
             <a:endParaRPr lang="en-US" altLang="ko-KR">
               <a:solidFill>
